--- a/ppt/Tool And Debug.pptx
+++ b/ppt/Tool And Debug.pptx
@@ -113,6 +113,11 @@
       </a:defRPr>
     </a:lvl9pPr>
   </p:defaultTextStyle>
+  <p:extLst>
+    <p:ext uri="{EFAFB233-063F-42B5-8137-9DF3F51BA10A}">
+      <p15:sldGuideLst xmlns:p15="http://schemas.microsoft.com/office/powerpoint/2012/main"/>
+    </p:ext>
+  </p:extLst>
 </p:presentation>
 </file>
 
@@ -3602,14 +3607,35 @@
                   <a:srgbClr val="0000FF"/>
                 </a:solidFill>
               </a:rPr>
-              <a:t>#include &lt;string</a:t>
-            </a:r>
+              <a:t>#include &lt;string&gt;</a:t>
+            </a:r>
+          </a:p>
+          <a:p>
+            <a:pPr marL="0" indent="0">
+              <a:buNone/>
+            </a:pPr>
             <a:r>
               <a:rPr lang="en-US" altLang="zh-CN" sz="2400" dirty="0">
                 <a:solidFill>
                   <a:srgbClr val="0000FF"/>
                 </a:solidFill>
               </a:rPr>
+              <a:t>#include&lt;</a:t>
+            </a:r>
+            <a:r>
+              <a:rPr lang="en-US" altLang="zh-CN" sz="2400" dirty="0" err="1">
+                <a:solidFill>
+                  <a:srgbClr val="0000FF"/>
+                </a:solidFill>
+              </a:rPr>
+              <a:t>iostream</a:t>
+            </a:r>
+            <a:r>
+              <a:rPr lang="en-US" altLang="zh-CN" sz="2400" dirty="0">
+                <a:solidFill>
+                  <a:srgbClr val="0000FF"/>
+                </a:solidFill>
+              </a:rPr>
               <a:t>&gt;</a:t>
             </a:r>
           </a:p>
@@ -3623,7 +3649,7 @@
                   <a:srgbClr val="0000FF"/>
                 </a:solidFill>
               </a:rPr>
-              <a:t>#include&lt;</a:t>
+              <a:t>using namespace </a:t>
             </a:r>
             <a:r>
               <a:rPr lang="en-US" altLang="zh-CN" sz="2400" dirty="0" err="1">
@@ -3631,7 +3657,7 @@
                   <a:srgbClr val="0000FF"/>
                 </a:solidFill>
               </a:rPr>
-              <a:t>iostream</a:t>
+              <a:t>std</a:t>
             </a:r>
             <a:r>
               <a:rPr lang="en-US" altLang="zh-CN" sz="2400" dirty="0">
@@ -3639,7 +3665,7 @@
                   <a:srgbClr val="0000FF"/>
                 </a:solidFill>
               </a:rPr>
-              <a:t>&gt;</a:t>
+              <a:t>;</a:t>
             </a:r>
           </a:p>
           <a:p>
@@ -3647,12 +3673,85 @@
               <a:buNone/>
             </a:pPr>
             <a:r>
+              <a:rPr lang="en-US" altLang="zh-CN" sz="2400" dirty="0" err="1">
+                <a:solidFill>
+                  <a:srgbClr val="0000FF"/>
+                </a:solidFill>
+              </a:rPr>
+              <a:t>int</a:t>
+            </a:r>
+            <a:r>
               <a:rPr lang="en-US" altLang="zh-CN" sz="2400" dirty="0">
                 <a:solidFill>
                   <a:srgbClr val="0000FF"/>
                 </a:solidFill>
               </a:rPr>
-              <a:t>using namespace </a:t>
+              <a:t> main()</a:t>
+            </a:r>
+          </a:p>
+          <a:p>
+            <a:pPr marL="0" indent="0">
+              <a:buNone/>
+            </a:pPr>
+            <a:r>
+              <a:rPr lang="en-US" altLang="zh-CN" sz="2400" dirty="0">
+                <a:solidFill>
+                  <a:srgbClr val="0000FF"/>
+                </a:solidFill>
+              </a:rPr>
+              <a:t>{</a:t>
+            </a:r>
+          </a:p>
+          <a:p>
+            <a:pPr marL="0" indent="0">
+              <a:buNone/>
+            </a:pPr>
+            <a:r>
+              <a:rPr lang="en-US" altLang="zh-CN" sz="2400" dirty="0">
+                <a:solidFill>
+                  <a:srgbClr val="0000FF"/>
+                </a:solidFill>
+              </a:rPr>
+              <a:t>	string day;</a:t>
+            </a:r>
+          </a:p>
+          <a:p>
+            <a:pPr marL="0" indent="0">
+              <a:buNone/>
+            </a:pPr>
+            <a:r>
+              <a:rPr lang="en-US" altLang="zh-CN" sz="2400" dirty="0">
+                <a:solidFill>
+                  <a:srgbClr val="0000FF"/>
+                </a:solidFill>
+              </a:rPr>
+              <a:t>	day = "Monday";</a:t>
+            </a:r>
+          </a:p>
+          <a:p>
+            <a:pPr marL="0" indent="0">
+              <a:buNone/>
+            </a:pPr>
+            <a:r>
+              <a:rPr lang="en-US" altLang="zh-CN" sz="2400" dirty="0">
+                <a:solidFill>
+                  <a:srgbClr val="0000FF"/>
+                </a:solidFill>
+              </a:rPr>
+              <a:t>           string name;</a:t>
+            </a:r>
+          </a:p>
+          <a:p>
+            <a:pPr marL="0" indent="0">
+              <a:buNone/>
+            </a:pPr>
+            <a:r>
+              <a:rPr lang="en-US" altLang="zh-CN" sz="2400" dirty="0">
+                <a:solidFill>
+                  <a:srgbClr val="0000FF"/>
+                </a:solidFill>
+              </a:rPr>
+              <a:t>           </a:t>
             </a:r>
             <a:r>
               <a:rPr lang="en-US" altLang="zh-CN" sz="2400" dirty="0" err="1">
@@ -3660,7 +3759,7 @@
                   <a:srgbClr val="0000FF"/>
                 </a:solidFill>
               </a:rPr>
-              <a:t>std</a:t>
+              <a:t>cin</a:t>
             </a:r>
             <a:r>
               <a:rPr lang="en-US" altLang="zh-CN" sz="2400" dirty="0">
@@ -3668,7 +3767,7 @@
                   <a:srgbClr val="0000FF"/>
                 </a:solidFill>
               </a:rPr>
-              <a:t>;</a:t>
+              <a:t>&gt;&gt;name; </a:t>
             </a:r>
           </a:p>
           <a:p>
@@ -3676,159 +3775,12 @@
               <a:buNone/>
             </a:pPr>
             <a:r>
-              <a:rPr lang="en-US" altLang="zh-CN" sz="2400" dirty="0" err="1">
-                <a:solidFill>
-                  <a:srgbClr val="0000FF"/>
-                </a:solidFill>
-              </a:rPr>
-              <a:t>int</a:t>
-            </a:r>
-            <a:r>
               <a:rPr lang="en-US" altLang="zh-CN" sz="2400" dirty="0">
                 <a:solidFill>
                   <a:srgbClr val="0000FF"/>
                 </a:solidFill>
               </a:rPr>
-              <a:t> main()</a:t>
-            </a:r>
-          </a:p>
-          <a:p>
-            <a:pPr marL="0" indent="0">
-              <a:buNone/>
-            </a:pPr>
-            <a:r>
-              <a:rPr lang="en-US" altLang="zh-CN" sz="2400" dirty="0">
-                <a:solidFill>
-                  <a:srgbClr val="0000FF"/>
-                </a:solidFill>
-              </a:rPr>
-              <a:t>{</a:t>
-            </a:r>
-            <a:endParaRPr lang="en-US" altLang="zh-CN" sz="2400" dirty="0">
-              <a:solidFill>
-                <a:srgbClr val="0000FF"/>
-              </a:solidFill>
-            </a:endParaRPr>
-          </a:p>
-          <a:p>
-            <a:pPr marL="0" indent="0">
-              <a:buNone/>
-            </a:pPr>
-            <a:r>
-              <a:rPr lang="en-US" altLang="zh-CN" sz="2400" dirty="0">
-                <a:solidFill>
-                  <a:srgbClr val="0000FF"/>
-                </a:solidFill>
-              </a:rPr>
-              <a:t>	string </a:t>
-            </a:r>
-            <a:r>
-              <a:rPr lang="en-US" altLang="zh-CN" sz="2400" dirty="0">
-                <a:solidFill>
-                  <a:srgbClr val="0000FF"/>
-                </a:solidFill>
-              </a:rPr>
-              <a:t>day;</a:t>
-            </a:r>
-          </a:p>
-          <a:p>
-            <a:pPr marL="0" indent="0">
-              <a:buNone/>
-            </a:pPr>
-            <a:r>
-              <a:rPr lang="en-US" altLang="zh-CN" sz="2400" dirty="0">
-                <a:solidFill>
-                  <a:srgbClr val="0000FF"/>
-                </a:solidFill>
-              </a:rPr>
-              <a:t>	day </a:t>
-            </a:r>
-            <a:r>
-              <a:rPr lang="en-US" altLang="zh-CN" sz="2400" dirty="0">
-                <a:solidFill>
-                  <a:srgbClr val="0000FF"/>
-                </a:solidFill>
-              </a:rPr>
-              <a:t>= "Monday</a:t>
-            </a:r>
-            <a:r>
-              <a:rPr lang="en-US" altLang="zh-CN" sz="2400" dirty="0">
-                <a:solidFill>
-                  <a:srgbClr val="0000FF"/>
-                </a:solidFill>
-              </a:rPr>
-              <a:t>";</a:t>
-            </a:r>
-          </a:p>
-          <a:p>
-            <a:pPr marL="0" indent="0">
-              <a:buNone/>
-            </a:pPr>
-            <a:r>
-              <a:rPr lang="en-US" altLang="zh-CN" sz="2400" dirty="0">
-                <a:solidFill>
-                  <a:srgbClr val="0000FF"/>
-                </a:solidFill>
-              </a:rPr>
-              <a:t>           string name;</a:t>
-            </a:r>
-          </a:p>
-          <a:p>
-            <a:pPr marL="0" indent="0">
-              <a:buNone/>
-            </a:pPr>
-            <a:r>
-              <a:rPr lang="en-US" altLang="zh-CN" sz="2400" dirty="0">
-                <a:solidFill>
-                  <a:srgbClr val="0000FF"/>
-                </a:solidFill>
-              </a:rPr>
-              <a:t> </a:t>
-            </a:r>
-            <a:r>
-              <a:rPr lang="en-US" altLang="zh-CN" sz="2400" dirty="0">
-                <a:solidFill>
-                  <a:srgbClr val="0000FF"/>
-                </a:solidFill>
-              </a:rPr>
-              <a:t>          </a:t>
-            </a:r>
-            <a:r>
-              <a:rPr lang="en-US" altLang="zh-CN" sz="2400" dirty="0" err="1">
-                <a:solidFill>
-                  <a:srgbClr val="0000FF"/>
-                </a:solidFill>
-              </a:rPr>
-              <a:t>cin</a:t>
-            </a:r>
-            <a:r>
-              <a:rPr lang="en-US" altLang="zh-CN" sz="2400" dirty="0">
-                <a:solidFill>
-                  <a:srgbClr val="0000FF"/>
-                </a:solidFill>
-              </a:rPr>
-              <a:t>&gt;&gt;name; </a:t>
-            </a:r>
-          </a:p>
-          <a:p>
-            <a:pPr marL="0" indent="0">
-              <a:buNone/>
-            </a:pPr>
-            <a:r>
-              <a:rPr lang="en-US" altLang="zh-CN" sz="2400" dirty="0">
-                <a:solidFill>
-                  <a:srgbClr val="0000FF"/>
-                </a:solidFill>
-              </a:rPr>
-              <a:t>	</a:t>
-            </a:r>
-            <a:r>
-              <a:rPr lang="en-US" altLang="zh-CN" sz="2400" dirty="0">
-                <a:solidFill>
-                  <a:srgbClr val="0000FF"/>
-                </a:solidFill>
-              </a:rPr>
-              <a:t>return 0;</a:t>
+              <a:t>	return 0;</a:t>
             </a:r>
           </a:p>
           <a:p>
@@ -3929,7 +3881,7 @@
               <a:buNone/>
             </a:pPr>
             <a:r>
-              <a:rPr lang="en-US" altLang="zh-CN" sz="2400" dirty="0" smtClean="0">
+              <a:rPr lang="en-US" altLang="zh-CN" dirty="0" smtClean="0">
                 <a:solidFill>
                   <a:srgbClr val="0000FF"/>
                 </a:solidFill>
@@ -3937,7 +3889,7 @@
               <a:t>string  </a:t>
             </a:r>
             <a:r>
-              <a:rPr lang="en-US" altLang="zh-CN" sz="2400" dirty="0">
+              <a:rPr lang="en-US" altLang="zh-CN" dirty="0">
                 <a:solidFill>
                   <a:srgbClr val="0000FF"/>
                 </a:solidFill>
@@ -3945,14 +3897,14 @@
               <a:t>mon=“Monday”</a:t>
             </a:r>
             <a:r>
-              <a:rPr lang="zh-CN" altLang="en-US" sz="2400" dirty="0">
+              <a:rPr lang="zh-CN" altLang="en-US" dirty="0">
                 <a:solidFill>
                   <a:srgbClr val="0000FF"/>
                 </a:solidFill>
               </a:rPr>
               <a:t>；</a:t>
             </a:r>
-            <a:endParaRPr lang="en-US" altLang="zh-CN" sz="2400" dirty="0">
+            <a:endParaRPr lang="en-US" altLang="zh-CN" dirty="0">
               <a:solidFill>
                 <a:srgbClr val="0000FF"/>
               </a:solidFill>
@@ -3963,23 +3915,15 @@
               <a:buNone/>
             </a:pPr>
             <a:r>
-              <a:rPr lang="en-US" altLang="zh-CN" sz="2400" dirty="0">
-                <a:solidFill>
-                  <a:srgbClr val="0000FF"/>
-                </a:solidFill>
-              </a:rPr>
-              <a:t>s</a:t>
-            </a:r>
-            <a:r>
-              <a:rPr lang="en-US" altLang="zh-CN" sz="2400" dirty="0">
-                <a:solidFill>
-                  <a:srgbClr val="0000FF"/>
-                </a:solidFill>
-              </a:rPr>
-              <a:t>tring  </a:t>
-            </a:r>
-            <a:r>
-              <a:rPr lang="en-US" altLang="zh-CN" sz="2400" dirty="0" err="1">
+              <a:rPr lang="en-US" altLang="zh-CN" dirty="0">
+                <a:solidFill>
+                  <a:srgbClr val="0000FF"/>
+                </a:solidFill>
+              </a:rPr>
+              <a:t>string  </a:t>
+            </a:r>
+            <a:r>
+              <a:rPr lang="en-US" altLang="zh-CN" dirty="0" err="1">
                 <a:solidFill>
                   <a:srgbClr val="0000FF"/>
                 </a:solidFill>
@@ -3987,7 +3931,7 @@
               <a:t>tun</a:t>
             </a:r>
             <a:r>
-              <a:rPr lang="en-US" altLang="zh-CN" sz="2400" dirty="0">
+              <a:rPr lang="en-US" altLang="zh-CN" dirty="0">
                 <a:solidFill>
                   <a:srgbClr val="0000FF"/>
                 </a:solidFill>
@@ -4000,7 +3944,7 @@
               <a:buNone/>
             </a:pPr>
             <a:r>
-              <a:rPr lang="en-US" altLang="zh-CN" sz="2400" dirty="0">
+              <a:rPr lang="en-US" altLang="zh-CN" dirty="0">
                 <a:solidFill>
                   <a:srgbClr val="0000FF"/>
                 </a:solidFill>
@@ -4008,7 +3952,7 @@
               <a:t>string </a:t>
             </a:r>
             <a:r>
-              <a:rPr lang="en-US" altLang="zh-CN" sz="2400" dirty="0" err="1">
+              <a:rPr lang="en-US" altLang="zh-CN" dirty="0" err="1">
                 <a:solidFill>
                   <a:srgbClr val="0000FF"/>
                 </a:solidFill>
@@ -4016,7 +3960,7 @@
               <a:t>catstr</a:t>
             </a:r>
             <a:r>
-              <a:rPr lang="en-US" altLang="zh-CN" sz="2400" dirty="0">
+              <a:rPr lang="en-US" altLang="zh-CN" dirty="0">
                 <a:solidFill>
                   <a:srgbClr val="0000FF"/>
                 </a:solidFill>
@@ -4024,7 +3968,7 @@
               <a:t>=</a:t>
             </a:r>
             <a:r>
-              <a:rPr lang="en-US" altLang="zh-CN" sz="2400" dirty="0" err="1">
+              <a:rPr lang="en-US" altLang="zh-CN" dirty="0" err="1">
                 <a:solidFill>
                   <a:srgbClr val="0000FF"/>
                 </a:solidFill>
@@ -4032,7 +3976,7 @@
               <a:t>mon+tun</a:t>
             </a:r>
             <a:r>
-              <a:rPr lang="en-US" altLang="zh-CN" sz="2400" dirty="0" smtClean="0">
+              <a:rPr lang="en-US" altLang="zh-CN" dirty="0" smtClean="0">
                 <a:solidFill>
                   <a:srgbClr val="0000FF"/>
                 </a:solidFill>
@@ -4045,7 +3989,7 @@
               <a:buNone/>
             </a:pPr>
             <a:r>
-              <a:rPr lang="en-US" altLang="zh-CN" sz="2400" dirty="0" err="1">
+              <a:rPr lang="en-US" altLang="zh-CN" dirty="0" err="1">
                 <a:solidFill>
                   <a:srgbClr val="0000FF"/>
                 </a:solidFill>
@@ -4053,7 +3997,7 @@
               <a:t>c</a:t>
             </a:r>
             <a:r>
-              <a:rPr lang="en-US" altLang="zh-CN" sz="2400" dirty="0" err="1" smtClean="0">
+              <a:rPr lang="en-US" altLang="zh-CN" dirty="0" err="1" smtClean="0">
                 <a:solidFill>
                   <a:srgbClr val="0000FF"/>
                 </a:solidFill>
@@ -4061,7 +4005,7 @@
               <a:t>out</a:t>
             </a:r>
             <a:r>
-              <a:rPr lang="en-US" altLang="zh-CN" sz="2400" dirty="0" smtClean="0">
+              <a:rPr lang="en-US" altLang="zh-CN" dirty="0" smtClean="0">
                 <a:solidFill>
                   <a:srgbClr val="0000FF"/>
                 </a:solidFill>
@@ -4069,7 +4013,7 @@
               <a:t>&lt;&lt;</a:t>
             </a:r>
             <a:r>
-              <a:rPr lang="en-US" altLang="zh-CN" sz="2400" dirty="0" err="1" smtClean="0">
+              <a:rPr lang="en-US" altLang="zh-CN" dirty="0" err="1" smtClean="0">
                 <a:solidFill>
                   <a:srgbClr val="0000FF"/>
                 </a:solidFill>
@@ -4077,7 +4021,7 @@
               <a:t>catstr</a:t>
             </a:r>
             <a:r>
-              <a:rPr lang="en-US" altLang="zh-CN" sz="2400" dirty="0" smtClean="0">
+              <a:rPr lang="en-US" altLang="zh-CN" dirty="0" smtClean="0">
                 <a:solidFill>
                   <a:srgbClr val="0000FF"/>
                 </a:solidFill>
@@ -4089,7 +4033,7 @@
             <a:pPr marL="0" indent="0">
               <a:buNone/>
             </a:pPr>
-            <a:endParaRPr lang="en-US" altLang="zh-CN" sz="2400" dirty="0">
+            <a:endParaRPr lang="en-US" altLang="zh-CN" dirty="0" smtClean="0">
               <a:solidFill>
                 <a:srgbClr val="0000FF"/>
               </a:solidFill>
@@ -4099,7 +4043,7 @@
             <a:pPr marL="0" indent="0">
               <a:buNone/>
             </a:pPr>
-            <a:endParaRPr lang="en-US" altLang="zh-CN" sz="2400" dirty="0" smtClean="0">
+            <a:endParaRPr lang="en-US" altLang="zh-CN" dirty="0">
               <a:solidFill>
                 <a:srgbClr val="0000FF"/>
               </a:solidFill>
@@ -4109,22 +4053,73 @@
             <a:pPr marL="0" indent="0">
               <a:buNone/>
             </a:pPr>
-            <a:endParaRPr lang="en-US" altLang="zh-CN" sz="2400" dirty="0">
-              <a:solidFill>
-                <a:srgbClr val="0000FF"/>
-              </a:solidFill>
-            </a:endParaRPr>
+            <a:r>
+              <a:rPr lang="en-US" altLang="zh-CN" sz="3200" dirty="0" smtClean="0"/>
+              <a:t> </a:t>
+            </a:r>
+            <a:r>
+              <a:rPr lang="en-US" altLang="zh-CN" sz="3200" dirty="0" err="1" smtClean="0">
+                <a:solidFill>
+                  <a:srgbClr val="0000FF"/>
+                </a:solidFill>
+              </a:rPr>
+              <a:t>catstr</a:t>
+            </a:r>
+            <a:r>
+              <a:rPr lang="en-US" altLang="zh-CN" sz="3200" dirty="0" smtClean="0">
+                <a:solidFill>
+                  <a:srgbClr val="0000FF"/>
+                </a:solidFill>
+              </a:rPr>
+              <a:t>=mon+” “+</a:t>
+            </a:r>
+            <a:r>
+              <a:rPr lang="en-US" altLang="zh-CN" sz="3200" dirty="0" err="1" smtClean="0">
+                <a:solidFill>
+                  <a:srgbClr val="0000FF"/>
+                </a:solidFill>
+              </a:rPr>
+              <a:t>tun</a:t>
+            </a:r>
+            <a:r>
+              <a:rPr lang="en-US" altLang="zh-CN" sz="3200" dirty="0">
+                <a:solidFill>
+                  <a:srgbClr val="0000FF"/>
+                </a:solidFill>
+              </a:rPr>
+              <a:t>;</a:t>
+            </a:r>
           </a:p>
           <a:p>
             <a:pPr marL="0" indent="0">
               <a:buNone/>
             </a:pPr>
             <a:r>
-              <a:rPr lang="en-US" altLang="zh-CN" dirty="0" smtClean="0"/>
+              <a:rPr lang="en-US" altLang="zh-CN" sz="3200" dirty="0" smtClean="0">
+                <a:solidFill>
+                  <a:srgbClr val="0000FF"/>
+                </a:solidFill>
+              </a:rPr>
               <a:t> </a:t>
             </a:r>
             <a:r>
-              <a:rPr lang="en-US" altLang="zh-CN" dirty="0" err="1" smtClean="0">
+              <a:rPr lang="en-US" altLang="zh-CN" sz="3200" dirty="0" err="1" smtClean="0">
+                <a:solidFill>
+                  <a:srgbClr val="0000FF"/>
+                </a:solidFill>
+              </a:rPr>
+              <a:t>cout</a:t>
+            </a:r>
+            <a:r>
+              <a:rPr lang="en-US" altLang="zh-CN" sz="3200" dirty="0">
+                <a:solidFill>
+                  <a:srgbClr val="0000FF"/>
+                </a:solidFill>
+              </a:rPr>
+              <a:t>&lt;&lt;</a:t>
+            </a:r>
+            <a:r>
+              <a:rPr lang="en-US" altLang="zh-CN" sz="3200" dirty="0" err="1">
                 <a:solidFill>
                   <a:srgbClr val="0000FF"/>
                 </a:solidFill>
@@ -4132,23 +4127,7 @@
               <a:t>catstr</a:t>
             </a:r>
             <a:r>
-              <a:rPr lang="en-US" altLang="zh-CN" dirty="0" smtClean="0">
-                <a:solidFill>
-                  <a:srgbClr val="0000FF"/>
-                </a:solidFill>
-              </a:rPr>
-              <a:t>=mon+” “+</a:t>
-            </a:r>
-            <a:r>
-              <a:rPr lang="en-US" altLang="zh-CN" dirty="0" err="1" smtClean="0">
-                <a:solidFill>
-                  <a:srgbClr val="0000FF"/>
-                </a:solidFill>
-              </a:rPr>
-              <a:t>tun</a:t>
-            </a:r>
-            <a:r>
-              <a:rPr lang="en-US" altLang="zh-CN" dirty="0">
+              <a:rPr lang="en-US" altLang="zh-CN" sz="3200" dirty="0">
                 <a:solidFill>
                   <a:srgbClr val="0000FF"/>
                 </a:solidFill>
@@ -4160,58 +4139,13 @@
             <a:pPr marL="0" indent="0">
               <a:buNone/>
             </a:pPr>
-            <a:r>
-              <a:rPr lang="en-US" altLang="zh-CN" dirty="0" smtClean="0">
-                <a:solidFill>
-                  <a:srgbClr val="0000FF"/>
-                </a:solidFill>
-              </a:rPr>
-              <a:t> </a:t>
-            </a:r>
-            <a:r>
-              <a:rPr lang="en-US" altLang="zh-CN" dirty="0" err="1" smtClean="0">
-                <a:solidFill>
-                  <a:srgbClr val="0000FF"/>
-                </a:solidFill>
-              </a:rPr>
-              <a:t>cout</a:t>
-            </a:r>
-            <a:r>
-              <a:rPr lang="en-US" altLang="zh-CN" dirty="0">
-                <a:solidFill>
-                  <a:srgbClr val="0000FF"/>
-                </a:solidFill>
-              </a:rPr>
-              <a:t>&lt;&lt;</a:t>
-            </a:r>
-            <a:r>
-              <a:rPr lang="en-US" altLang="zh-CN" dirty="0" err="1">
-                <a:solidFill>
-                  <a:srgbClr val="0000FF"/>
-                </a:solidFill>
-              </a:rPr>
-              <a:t>catstr</a:t>
-            </a:r>
-            <a:r>
-              <a:rPr lang="en-US" altLang="zh-CN" dirty="0">
-                <a:solidFill>
-                  <a:srgbClr val="0000FF"/>
-                </a:solidFill>
-              </a:rPr>
-              <a:t>;</a:t>
-            </a:r>
+            <a:endParaRPr lang="en-US" altLang="zh-CN" sz="3200" dirty="0" smtClean="0"/>
           </a:p>
           <a:p>
             <a:pPr marL="0" indent="0">
               <a:buNone/>
             </a:pPr>
-            <a:endParaRPr lang="en-US" altLang="zh-CN" dirty="0" smtClean="0"/>
-          </a:p>
-          <a:p>
-            <a:pPr marL="0" indent="0">
-              <a:buNone/>
-            </a:pPr>
-            <a:endParaRPr lang="zh-CN" altLang="en-US" dirty="0"/>
+            <a:endParaRPr lang="zh-CN" altLang="en-US" sz="3200" dirty="0"/>
           </a:p>
         </p:txBody>
       </p:sp>
@@ -4334,15 +4268,7 @@
                   <a:srgbClr val="0000FF"/>
                 </a:solidFill>
               </a:rPr>
-              <a:t>s</a:t>
-            </a:r>
-            <a:r>
-              <a:rPr lang="en-US" altLang="zh-CN" sz="2400" dirty="0">
-                <a:solidFill>
-                  <a:srgbClr val="0000FF"/>
-                </a:solidFill>
-              </a:rPr>
-              <a:t>tring  </a:t>
+              <a:t>string  </a:t>
             </a:r>
             <a:r>
               <a:rPr lang="en-US" altLang="zh-CN" sz="2400" dirty="0" err="1">
@@ -5093,7 +5019,15 @@
               <a:buSzPct val="60000"/>
             </a:pPr>
             <a:r>
-              <a:rPr lang="en-US" altLang="zh-CN" sz="2400" dirty="0" err="1">
+              <a:rPr lang="en-US" altLang="zh-CN" sz="2400" dirty="0" smtClean="0">
+                <a:solidFill>
+                  <a:srgbClr val="0000FF"/>
+                </a:solidFill>
+              </a:rPr>
+              <a:t> </a:t>
+            </a:r>
+            <a:r>
+              <a:rPr lang="en-US" altLang="zh-CN" sz="2400" dirty="0" err="1" smtClean="0">
                 <a:solidFill>
                   <a:srgbClr val="0000FF"/>
                 </a:solidFill>
@@ -5354,7 +5288,15 @@
                   <a:srgbClr val="0000FF"/>
                 </a:solidFill>
               </a:rPr>
-              <a:t>  }</a:t>
+              <a:t>  </a:t>
+            </a:r>
+            <a:r>
+              <a:rPr lang="en-US" altLang="zh-CN" sz="2400" dirty="0" smtClean="0">
+                <a:solidFill>
+                  <a:srgbClr val="0000FF"/>
+                </a:solidFill>
+              </a:rPr>
+              <a:t>} </a:t>
             </a:r>
             <a:endParaRPr lang="zh-CN" altLang="en-US" sz="2400" dirty="0">
               <a:solidFill>

--- a/ppt/Tool And Debug.pptx
+++ b/ppt/Tool And Debug.pptx
@@ -12,9 +12,10 @@
     <p:sldId id="260" r:id="rId6"/>
     <p:sldId id="261" r:id="rId7"/>
     <p:sldId id="262" r:id="rId8"/>
-    <p:sldId id="263" r:id="rId9"/>
-    <p:sldId id="264" r:id="rId10"/>
-    <p:sldId id="265" r:id="rId11"/>
+    <p:sldId id="266" r:id="rId9"/>
+    <p:sldId id="263" r:id="rId10"/>
+    <p:sldId id="264" r:id="rId11"/>
+    <p:sldId id="265" r:id="rId12"/>
   </p:sldIdLst>
   <p:sldSz cx="12192000" cy="6858000"/>
   <p:notesSz cx="6858000" cy="9144000"/>
@@ -3257,8 +3258,8 @@
         </p:nvSpPr>
         <p:spPr>
           <a:xfrm>
-            <a:off x="2781743" y="2579758"/>
-            <a:ext cx="5602816" cy="707886"/>
+            <a:off x="1690098" y="2579758"/>
+            <a:ext cx="6694461" cy="830997"/>
           </a:xfrm>
           <a:prstGeom prst="rect">
             <a:avLst/>
@@ -3273,18 +3274,18 @@
           <a:p>
             <a:pPr algn="r"/>
             <a:r>
-              <a:rPr lang="en-US" altLang="zh-CN" sz="4000" dirty="0" smtClean="0"/>
+              <a:rPr lang="en-US" altLang="zh-CN" sz="4800" dirty="0" smtClean="0"/>
               <a:t>String</a:t>
             </a:r>
             <a:r>
-              <a:rPr lang="zh-CN" altLang="en-US" sz="4000" dirty="0" smtClean="0"/>
+              <a:rPr lang="zh-CN" altLang="en-US" sz="4800" dirty="0" smtClean="0"/>
               <a:t>， </a:t>
             </a:r>
             <a:r>
-              <a:rPr lang="en-US" altLang="zh-CN" sz="4000" dirty="0" smtClean="0"/>
+              <a:rPr lang="en-US" altLang="zh-CN" sz="4800" dirty="0" smtClean="0"/>
               <a:t>IDE and debug</a:t>
             </a:r>
-            <a:endParaRPr lang="zh-CN" altLang="en-US" sz="4000" dirty="0"/>
+            <a:endParaRPr lang="zh-CN" altLang="en-US" sz="4800" dirty="0"/>
           </a:p>
         </p:txBody>
       </p:sp>
@@ -3296,8 +3297,8 @@
         </p:nvSpPr>
         <p:spPr>
           <a:xfrm>
-            <a:off x="3810000" y="4572001"/>
-            <a:ext cx="2262158" cy="646331"/>
+            <a:off x="2720502" y="4237673"/>
+            <a:ext cx="4063933" cy="1077218"/>
           </a:xfrm>
           <a:prstGeom prst="rect">
             <a:avLst/>
@@ -3311,24 +3312,24 @@
           <a:lstStyle/>
           <a:p>
             <a:r>
-              <a:rPr lang="en-US" altLang="zh-CN" dirty="0"/>
+              <a:rPr lang="en-US" altLang="zh-CN" sz="3200" dirty="0"/>
               <a:t>Dai </a:t>
             </a:r>
             <a:r>
-              <a:rPr lang="en-US" altLang="zh-CN" dirty="0" err="1"/>
+              <a:rPr lang="en-US" altLang="zh-CN" sz="3200" dirty="0" err="1"/>
               <a:t>Liyun</a:t>
             </a:r>
             <a:r>
-              <a:rPr lang="en-US" altLang="zh-CN" dirty="0"/>
+              <a:rPr lang="en-US" altLang="zh-CN" sz="3200" dirty="0"/>
               <a:t> </a:t>
             </a:r>
           </a:p>
           <a:p>
             <a:r>
-              <a:rPr lang="en-US" altLang="zh-CN" dirty="0"/>
+              <a:rPr lang="en-US" altLang="zh-CN" sz="3200" dirty="0"/>
               <a:t>dailiyun@swu.edu.cn</a:t>
             </a:r>
-            <a:endParaRPr lang="zh-CN" altLang="en-US" dirty="0"/>
+            <a:endParaRPr lang="zh-CN" altLang="en-US" sz="3200" dirty="0"/>
           </a:p>
         </p:txBody>
       </p:sp>
@@ -3347,6 +3348,214 @@
 </file>
 
 <file path=ppt/slides/slide10.xml><?xml version="1.0" encoding="utf-8"?>
+<p:sld xmlns:a="http://schemas.openxmlformats.org/drawingml/2006/main" xmlns:r="http://schemas.openxmlformats.org/officeDocument/2006/relationships" xmlns:p="http://schemas.openxmlformats.org/presentationml/2006/main">
+  <p:cSld>
+    <p:spTree>
+      <p:nvGrpSpPr>
+        <p:cNvPr id="1" name=""/>
+        <p:cNvGrpSpPr/>
+        <p:nvPr/>
+      </p:nvGrpSpPr>
+      <p:grpSpPr>
+        <a:xfrm>
+          <a:off x="0" y="0"/>
+          <a:ext cx="0" cy="0"/>
+          <a:chOff x="0" y="0"/>
+          <a:chExt cx="0" cy="0"/>
+        </a:xfrm>
+      </p:grpSpPr>
+      <p:sp>
+        <p:nvSpPr>
+          <p:cNvPr id="2" name="标题 1"/>
+          <p:cNvSpPr>
+            <a:spLocks noGrp="1"/>
+          </p:cNvSpPr>
+          <p:nvPr>
+            <p:ph type="title"/>
+          </p:nvPr>
+        </p:nvSpPr>
+        <p:spPr/>
+        <p:txBody>
+          <a:bodyPr/>
+          <a:lstStyle/>
+          <a:p>
+            <a:r>
+              <a:rPr lang="en-US" altLang="zh-CN" dirty="0" smtClean="0"/>
+              <a:t>Debug </a:t>
+            </a:r>
+            <a:r>
+              <a:rPr lang="en-US" altLang="zh-CN" dirty="0">
+                <a:solidFill>
+                  <a:srgbClr val="0070C0"/>
+                </a:solidFill>
+              </a:rPr>
+              <a:t>F5</a:t>
+            </a:r>
+            <a:r>
+              <a:rPr lang="en-US" altLang="zh-CN" dirty="0"/>
+              <a:t>  Start debug </a:t>
+            </a:r>
+            <a:r>
+              <a:rPr lang="en-US" altLang="zh-CN" dirty="0" smtClean="0"/>
+              <a:t>mode</a:t>
+            </a:r>
+            <a:endParaRPr lang="zh-CN" altLang="en-US" dirty="0"/>
+          </a:p>
+        </p:txBody>
+      </p:sp>
+      <p:pic>
+        <p:nvPicPr>
+          <p:cNvPr id="4" name="图片 3"/>
+          <p:cNvPicPr>
+            <a:picLocks noChangeAspect="1"/>
+          </p:cNvPicPr>
+          <p:nvPr/>
+        </p:nvPicPr>
+        <p:blipFill>
+          <a:blip r:embed="rId2">
+            <a:extLst>
+              <a:ext uri="{28A0092B-C50C-407E-A947-70E740481C1C}">
+                <a14:useLocalDpi xmlns:a14="http://schemas.microsoft.com/office/drawing/2010/main" val="0"/>
+              </a:ext>
+            </a:extLst>
+          </a:blip>
+          <a:stretch>
+            <a:fillRect/>
+          </a:stretch>
+        </p:blipFill>
+        <p:spPr>
+          <a:xfrm>
+            <a:off x="2669309" y="1642630"/>
+            <a:ext cx="8543925" cy="4514850"/>
+          </a:xfrm>
+          <a:prstGeom prst="rect">
+            <a:avLst/>
+          </a:prstGeom>
+        </p:spPr>
+      </p:pic>
+      <p:sp>
+        <p:nvSpPr>
+          <p:cNvPr id="5" name="文本框 4"/>
+          <p:cNvSpPr txBox="1"/>
+          <p:nvPr/>
+        </p:nvSpPr>
+        <p:spPr>
+          <a:xfrm>
+            <a:off x="184727" y="5283201"/>
+            <a:ext cx="1672253" cy="369332"/>
+          </a:xfrm>
+          <a:prstGeom prst="rect">
+            <a:avLst/>
+          </a:prstGeom>
+          <a:noFill/>
+        </p:spPr>
+        <p:txBody>
+          <a:bodyPr wrap="none" rtlCol="0">
+            <a:spAutoFit/>
+          </a:bodyPr>
+          <a:lstStyle/>
+          <a:p>
+            <a:r>
+              <a:rPr lang="en-US" altLang="zh-CN" dirty="0" smtClean="0"/>
+              <a:t>Set breakpoint</a:t>
+            </a:r>
+            <a:endParaRPr lang="zh-CN" altLang="en-US" dirty="0"/>
+          </a:p>
+        </p:txBody>
+      </p:sp>
+      <p:sp>
+        <p:nvSpPr>
+          <p:cNvPr id="7" name="下箭头 6"/>
+          <p:cNvSpPr/>
+          <p:nvPr/>
+        </p:nvSpPr>
+        <p:spPr bwMode="auto">
+          <a:xfrm rot="5400000">
+            <a:off x="2241234" y="5000545"/>
+            <a:ext cx="209899" cy="978408"/>
+          </a:xfrm>
+          <a:prstGeom prst="downArrow">
+            <a:avLst/>
+          </a:prstGeom>
+          <a:blipFill dpi="0" rotWithShape="0">
+            <a:blip r:embed="rId3"/>
+            <a:srcRect/>
+            <a:tile tx="0" ty="0" sx="100000" sy="100000" flip="none" algn="tl"/>
+          </a:blipFill>
+          <a:ln w="9525" cap="flat" cmpd="sng" algn="ctr">
+            <a:solidFill>
+              <a:schemeClr val="tx1"/>
+            </a:solidFill>
+            <a:prstDash val="solid"/>
+            <a:round/>
+            <a:headEnd type="none" w="med" len="med"/>
+            <a:tailEnd type="none" w="med" len="med"/>
+          </a:ln>
+          <a:effectLst/>
+          <a:extLst>
+            <a:ext uri="{AF507438-7753-43E0-B8FC-AC1667EBCBE1}">
+              <a14:hiddenEffects xmlns:a14="http://schemas.microsoft.com/office/drawing/2010/main">
+                <a:effectLst>
+                  <a:outerShdw dist="35921" dir="2700000" algn="ctr" rotWithShape="0">
+                    <a:schemeClr val="bg2"/>
+                  </a:outerShdw>
+                </a:effectLst>
+              </a14:hiddenEffects>
+            </a:ext>
+          </a:extLst>
+        </p:spPr>
+        <p:txBody>
+          <a:bodyPr vert="horz" wrap="none" lIns="91440" tIns="45720" rIns="91440" bIns="45720" numCol="1" rtlCol="0" anchor="ctr" anchorCtr="0" compatLnSpc="1">
+            <a:prstTxWarp prst="textNoShape">
+              <a:avLst/>
+            </a:prstTxWarp>
+          </a:bodyPr>
+          <a:lstStyle/>
+          <a:p>
+            <a:pPr marL="0" marR="0" indent="0" algn="l" defTabSz="914400" rtl="0" eaLnBrk="1" fontAlgn="base" latinLnBrk="0" hangingPunct="1">
+              <a:lnSpc>
+                <a:spcPct val="100000"/>
+              </a:lnSpc>
+              <a:spcBef>
+                <a:spcPct val="0"/>
+              </a:spcBef>
+              <a:spcAft>
+                <a:spcPct val="0"/>
+              </a:spcAft>
+              <a:buClrTx/>
+              <a:buSzTx/>
+              <a:buFontTx/>
+              <a:buNone/>
+              <a:tabLst/>
+            </a:pPr>
+            <a:endParaRPr kumimoji="0" lang="zh-CN" altLang="en-US" sz="2400" b="0" i="0" u="none" strike="noStrike" cap="none" normalizeH="0" baseline="0" smtClean="0">
+              <a:ln>
+                <a:noFill/>
+              </a:ln>
+              <a:solidFill>
+                <a:schemeClr val="tx1"/>
+              </a:solidFill>
+              <a:effectLst/>
+              <a:latin typeface="Arial" panose="020B0604020202020204" pitchFamily="34" charset="0"/>
+            </a:endParaRPr>
+          </a:p>
+        </p:txBody>
+      </p:sp>
+    </p:spTree>
+    <p:extLst>
+      <p:ext uri="{BB962C8B-B14F-4D97-AF65-F5344CB8AC3E}">
+        <p14:creationId xmlns:p14="http://schemas.microsoft.com/office/powerpoint/2010/main" val="769970352"/>
+      </p:ext>
+    </p:extLst>
+  </p:cSld>
+  <p:clrMapOvr>
+    <a:masterClrMapping/>
+  </p:clrMapOvr>
+  <p:transition spd="med"/>
+</p:sld>
+</file>
+
+<file path=ppt/slides/slide11.xml><?xml version="1.0" encoding="utf-8"?>
 <p:sld xmlns:a="http://schemas.openxmlformats.org/drawingml/2006/main" xmlns:r="http://schemas.openxmlformats.org/officeDocument/2006/relationships" xmlns:p="http://schemas.openxmlformats.org/presentationml/2006/main">
   <p:cSld>
     <p:spTree>
@@ -3448,21 +3657,21 @@
                 <a:gridCol w="1089901">
                   <a:extLst>
                     <a:ext uri="{9D8B030D-6E8A-4147-A177-3AD203B41FA5}">
-                      <a16:colId xmlns:a16="http://schemas.microsoft.com/office/drawing/2014/main" val="4002233450"/>
+                      <a16:colId xmlns="" xmlns:a16="http://schemas.microsoft.com/office/drawing/2014/main" val="4002233450"/>
                     </a:ext>
                   </a:extLst>
                 </a:gridCol>
                 <a:gridCol w="1226527">
                   <a:extLst>
                     <a:ext uri="{9D8B030D-6E8A-4147-A177-3AD203B41FA5}">
-                      <a16:colId xmlns:a16="http://schemas.microsoft.com/office/drawing/2014/main" val="293635472"/>
+                      <a16:colId xmlns="" xmlns:a16="http://schemas.microsoft.com/office/drawing/2014/main" val="293635472"/>
                     </a:ext>
                   </a:extLst>
                 </a:gridCol>
                 <a:gridCol w="7063676">
                   <a:extLst>
                     <a:ext uri="{9D8B030D-6E8A-4147-A177-3AD203B41FA5}">
-                      <a16:colId xmlns:a16="http://schemas.microsoft.com/office/drawing/2014/main" val="122273318"/>
+                      <a16:colId xmlns="" xmlns:a16="http://schemas.microsoft.com/office/drawing/2014/main" val="122273318"/>
                     </a:ext>
                   </a:extLst>
                 </a:gridCol>
@@ -3512,7 +3721,7 @@
                 </a:tc>
                 <a:extLst>
                   <a:ext uri="{0D108BD9-81ED-4DB2-BD59-A6C34878D82A}">
-                    <a16:rowId xmlns:a16="http://schemas.microsoft.com/office/drawing/2014/main" val="1228793187"/>
+                    <a16:rowId xmlns="" xmlns:a16="http://schemas.microsoft.com/office/drawing/2014/main" val="1228793187"/>
                   </a:ext>
                 </a:extLst>
               </a:tr>
@@ -5836,6 +6045,249 @@
             <p:ph type="title"/>
           </p:nvPr>
         </p:nvSpPr>
+        <p:spPr>
+          <a:xfrm>
+            <a:off x="876570" y="517223"/>
+            <a:ext cx="11074400" cy="992187"/>
+          </a:xfrm>
+        </p:spPr>
+        <p:txBody>
+          <a:bodyPr/>
+          <a:lstStyle/>
+          <a:p>
+            <a:r>
+              <a:rPr kumimoji="1" lang="en-US" altLang="zh-CN" dirty="0" smtClean="0"/>
+              <a:t>Exercise</a:t>
+            </a:r>
+            <a:endParaRPr kumimoji="1" lang="zh-CN" altLang="en-US" dirty="0"/>
+          </a:p>
+        </p:txBody>
+      </p:sp>
+      <p:sp>
+        <p:nvSpPr>
+          <p:cNvPr id="3" name="内容占位符 2"/>
+          <p:cNvSpPr>
+            <a:spLocks noGrp="1"/>
+          </p:cNvSpPr>
+          <p:nvPr>
+            <p:ph idx="1"/>
+          </p:nvPr>
+        </p:nvSpPr>
+        <p:spPr/>
+        <p:txBody>
+          <a:bodyPr/>
+          <a:lstStyle/>
+          <a:p>
+            <a:r>
+              <a:rPr kumimoji="1" lang="en-US" altLang="zh-CN" dirty="0" smtClean="0"/>
+              <a:t>Register an account on site </a:t>
+            </a:r>
+            <a:r>
+              <a:rPr lang="en-US" altLang="zh-CN" dirty="0" smtClean="0">
+                <a:hlinkClick r:id="rId2"/>
+              </a:rPr>
+              <a:t>http</a:t>
+            </a:r>
+            <a:r>
+              <a:rPr lang="en-US" altLang="zh-CN" dirty="0">
+                <a:hlinkClick r:id="rId2"/>
+              </a:rPr>
+              <a:t>://</a:t>
+            </a:r>
+            <a:r>
+              <a:rPr lang="en-US" altLang="zh-CN" smtClean="0">
+                <a:hlinkClick r:id="rId2"/>
+              </a:rPr>
+              <a:t>47.95.215.87/</a:t>
+            </a:r>
+            <a:endParaRPr kumimoji="1" lang="en-US" altLang="zh-CN" dirty="0" smtClean="0"/>
+          </a:p>
+          <a:p>
+            <a:r>
+              <a:rPr kumimoji="1" lang="en-US" altLang="zh-CN" dirty="0" smtClean="0"/>
+              <a:t>User name  </a:t>
+            </a:r>
+            <a:r>
+              <a:rPr kumimoji="1" lang="en-US" altLang="zh-CN" dirty="0" err="1" smtClean="0"/>
+              <a:t>xuehao</a:t>
+            </a:r>
+            <a:r>
+              <a:rPr kumimoji="1" lang="en-US" altLang="zh-CN" dirty="0" smtClean="0"/>
+              <a:t>-name e.g.  20170901-</a:t>
+            </a:r>
+            <a:r>
+              <a:rPr kumimoji="1" lang="zh-CN" altLang="en-US" dirty="0" smtClean="0"/>
+              <a:t>代立云</a:t>
+            </a:r>
+            <a:endParaRPr kumimoji="1" lang="en-US" altLang="zh-CN" dirty="0" smtClean="0"/>
+          </a:p>
+          <a:p>
+            <a:r>
+              <a:rPr kumimoji="1" lang="en-US" altLang="zh-CN" dirty="0" smtClean="0"/>
+              <a:t>Click </a:t>
+            </a:r>
+            <a:r>
+              <a:rPr kumimoji="1" lang="en-US" altLang="zh-CN" dirty="0" smtClean="0">
+                <a:solidFill>
+                  <a:srgbClr val="FF0000"/>
+                </a:solidFill>
+              </a:rPr>
+              <a:t>Contests </a:t>
+            </a:r>
+            <a:r>
+              <a:rPr kumimoji="1" lang="en-US" altLang="zh-CN" dirty="0" smtClean="0"/>
+              <a:t>menu</a:t>
+            </a:r>
+            <a:endParaRPr kumimoji="1" lang="en-US" altLang="zh-CN" dirty="0"/>
+          </a:p>
+          <a:p>
+            <a:r>
+              <a:rPr kumimoji="1" lang="en-US" altLang="zh-CN" dirty="0" smtClean="0"/>
+              <a:t>Click contests</a:t>
+            </a:r>
+            <a:r>
+              <a:rPr kumimoji="1" lang="en-US" altLang="zh-CN" dirty="0" smtClean="0">
+                <a:solidFill>
+                  <a:srgbClr val="FF0000"/>
+                </a:solidFill>
+              </a:rPr>
+              <a:t>  “</a:t>
+            </a:r>
+            <a:r>
+              <a:rPr lang="de-DE" altLang="zh-CN" dirty="0" smtClean="0"/>
+              <a:t>2019 </a:t>
+            </a:r>
+            <a:r>
+              <a:rPr lang="de-DE" altLang="zh-CN" dirty="0"/>
+              <a:t>C++ </a:t>
+            </a:r>
+            <a:r>
+              <a:rPr lang="de-DE" altLang="zh-CN" dirty="0" err="1" smtClean="0"/>
+              <a:t>class</a:t>
+            </a:r>
+            <a:r>
+              <a:rPr lang="de-DE" altLang="zh-CN" dirty="0" smtClean="0"/>
+              <a:t>“</a:t>
+            </a:r>
+            <a:r>
+              <a:rPr lang="de-DE" altLang="zh-CN" dirty="0"/>
+              <a:t> </a:t>
+            </a:r>
+            <a:endParaRPr lang="de-DE" altLang="zh-CN" dirty="0" smtClean="0"/>
+          </a:p>
+          <a:p>
+            <a:r>
+              <a:rPr lang="de-DE" altLang="zh-CN" dirty="0" smtClean="0"/>
+              <a:t>Password 913608</a:t>
+            </a:r>
+          </a:p>
+          <a:p>
+            <a:r>
+              <a:rPr lang="de-DE" altLang="zh-CN" dirty="0" smtClean="0"/>
+              <a:t>Select </a:t>
+            </a:r>
+            <a:r>
+              <a:rPr lang="de-DE" altLang="zh-CN" dirty="0" err="1" smtClean="0"/>
+              <a:t>problems</a:t>
+            </a:r>
+            <a:r>
+              <a:rPr lang="de-DE" altLang="zh-CN" dirty="0" smtClean="0"/>
+              <a:t> </a:t>
+            </a:r>
+            <a:r>
+              <a:rPr lang="de-DE" altLang="zh-CN" dirty="0" err="1" smtClean="0"/>
+              <a:t>list</a:t>
+            </a:r>
+            <a:r>
+              <a:rPr lang="de-DE" altLang="zh-CN" dirty="0" smtClean="0"/>
+              <a:t>.</a:t>
+            </a:r>
+          </a:p>
+          <a:p>
+            <a:r>
+              <a:rPr lang="de-DE" altLang="zh-CN" dirty="0" smtClean="0"/>
+              <a:t> </a:t>
+            </a:r>
+            <a:r>
+              <a:rPr lang="de-DE" altLang="zh-CN" dirty="0"/>
+              <a:t>D</a:t>
+            </a:r>
+            <a:r>
+              <a:rPr lang="de-DE" altLang="zh-CN" dirty="0" smtClean="0"/>
+              <a:t>o „</a:t>
+            </a:r>
+            <a:r>
+              <a:rPr lang="zh-CN" altLang="en-US" dirty="0"/>
+              <a:t>计算句子中单词的</a:t>
+            </a:r>
+            <a:r>
+              <a:rPr lang="zh-CN" altLang="en-US" dirty="0" smtClean="0"/>
+              <a:t>数量</a:t>
+            </a:r>
+            <a:r>
+              <a:rPr lang="en-US" altLang="zh-CN" dirty="0" smtClean="0"/>
+              <a:t>”</a:t>
+            </a:r>
+            <a:endParaRPr lang="de-DE" altLang="zh-CN" dirty="0" smtClean="0"/>
+          </a:p>
+          <a:p>
+            <a:endParaRPr lang="de-DE" altLang="zh-CN" dirty="0" smtClean="0"/>
+          </a:p>
+          <a:p>
+            <a:endParaRPr kumimoji="1" lang="en-US" altLang="zh-CN" dirty="0"/>
+          </a:p>
+          <a:p>
+            <a:endParaRPr kumimoji="1" lang="en-US" altLang="zh-CN" dirty="0" smtClean="0"/>
+          </a:p>
+          <a:p>
+            <a:endParaRPr kumimoji="1" lang="en-US" altLang="zh-CN" dirty="0"/>
+          </a:p>
+          <a:p>
+            <a:endParaRPr kumimoji="1" lang="en-US" altLang="zh-CN" dirty="0" smtClean="0"/>
+          </a:p>
+        </p:txBody>
+      </p:sp>
+    </p:spTree>
+    <p:extLst>
+      <p:ext uri="{BB962C8B-B14F-4D97-AF65-F5344CB8AC3E}">
+        <p14:creationId xmlns:p14="http://schemas.microsoft.com/office/powerpoint/2010/main" val="500581070"/>
+      </p:ext>
+    </p:extLst>
+  </p:cSld>
+  <p:clrMapOvr>
+    <a:masterClrMapping/>
+  </p:clrMapOvr>
+  <p:transition spd="med"/>
+</p:sld>
+</file>
+
+<file path=ppt/slides/slide9.xml><?xml version="1.0" encoding="utf-8"?>
+<p:sld xmlns:a="http://schemas.openxmlformats.org/drawingml/2006/main" xmlns:r="http://schemas.openxmlformats.org/officeDocument/2006/relationships" xmlns:p="http://schemas.openxmlformats.org/presentationml/2006/main">
+  <p:cSld>
+    <p:spTree>
+      <p:nvGrpSpPr>
+        <p:cNvPr id="1" name=""/>
+        <p:cNvGrpSpPr/>
+        <p:nvPr/>
+      </p:nvGrpSpPr>
+      <p:grpSpPr>
+        <a:xfrm>
+          <a:off x="0" y="0"/>
+          <a:ext cx="0" cy="0"/>
+          <a:chOff x="0" y="0"/>
+          <a:chExt cx="0" cy="0"/>
+        </a:xfrm>
+      </p:grpSpPr>
+      <p:sp>
+        <p:nvSpPr>
+          <p:cNvPr id="2" name="标题 1"/>
+          <p:cNvSpPr>
+            <a:spLocks noGrp="1"/>
+          </p:cNvSpPr>
+          <p:nvPr>
+            <p:ph type="title"/>
+          </p:nvPr>
+        </p:nvSpPr>
         <p:spPr/>
         <p:txBody>
           <a:bodyPr/>
@@ -6113,214 +6565,6 @@
     <p:extLst>
       <p:ext uri="{BB962C8B-B14F-4D97-AF65-F5344CB8AC3E}">
         <p14:creationId xmlns:p14="http://schemas.microsoft.com/office/powerpoint/2010/main" val="739495366"/>
-      </p:ext>
-    </p:extLst>
-  </p:cSld>
-  <p:clrMapOvr>
-    <a:masterClrMapping/>
-  </p:clrMapOvr>
-  <p:transition spd="med"/>
-</p:sld>
-</file>
-
-<file path=ppt/slides/slide9.xml><?xml version="1.0" encoding="utf-8"?>
-<p:sld xmlns:a="http://schemas.openxmlformats.org/drawingml/2006/main" xmlns:r="http://schemas.openxmlformats.org/officeDocument/2006/relationships" xmlns:p="http://schemas.openxmlformats.org/presentationml/2006/main">
-  <p:cSld>
-    <p:spTree>
-      <p:nvGrpSpPr>
-        <p:cNvPr id="1" name=""/>
-        <p:cNvGrpSpPr/>
-        <p:nvPr/>
-      </p:nvGrpSpPr>
-      <p:grpSpPr>
-        <a:xfrm>
-          <a:off x="0" y="0"/>
-          <a:ext cx="0" cy="0"/>
-          <a:chOff x="0" y="0"/>
-          <a:chExt cx="0" cy="0"/>
-        </a:xfrm>
-      </p:grpSpPr>
-      <p:sp>
-        <p:nvSpPr>
-          <p:cNvPr id="2" name="标题 1"/>
-          <p:cNvSpPr>
-            <a:spLocks noGrp="1"/>
-          </p:cNvSpPr>
-          <p:nvPr>
-            <p:ph type="title"/>
-          </p:nvPr>
-        </p:nvSpPr>
-        <p:spPr/>
-        <p:txBody>
-          <a:bodyPr/>
-          <a:lstStyle/>
-          <a:p>
-            <a:r>
-              <a:rPr lang="en-US" altLang="zh-CN" dirty="0" smtClean="0"/>
-              <a:t>Debug </a:t>
-            </a:r>
-            <a:r>
-              <a:rPr lang="en-US" altLang="zh-CN" dirty="0">
-                <a:solidFill>
-                  <a:srgbClr val="0070C0"/>
-                </a:solidFill>
-              </a:rPr>
-              <a:t>F5</a:t>
-            </a:r>
-            <a:r>
-              <a:rPr lang="en-US" altLang="zh-CN" dirty="0"/>
-              <a:t>  Start debug </a:t>
-            </a:r>
-            <a:r>
-              <a:rPr lang="en-US" altLang="zh-CN" dirty="0" smtClean="0"/>
-              <a:t>mode</a:t>
-            </a:r>
-            <a:endParaRPr lang="zh-CN" altLang="en-US" dirty="0"/>
-          </a:p>
-        </p:txBody>
-      </p:sp>
-      <p:pic>
-        <p:nvPicPr>
-          <p:cNvPr id="4" name="图片 3"/>
-          <p:cNvPicPr>
-            <a:picLocks noChangeAspect="1"/>
-          </p:cNvPicPr>
-          <p:nvPr/>
-        </p:nvPicPr>
-        <p:blipFill>
-          <a:blip r:embed="rId2">
-            <a:extLst>
-              <a:ext uri="{28A0092B-C50C-407E-A947-70E740481C1C}">
-                <a14:useLocalDpi xmlns:a14="http://schemas.microsoft.com/office/drawing/2010/main" val="0"/>
-              </a:ext>
-            </a:extLst>
-          </a:blip>
-          <a:stretch>
-            <a:fillRect/>
-          </a:stretch>
-        </p:blipFill>
-        <p:spPr>
-          <a:xfrm>
-            <a:off x="2669309" y="1642630"/>
-            <a:ext cx="8543925" cy="4514850"/>
-          </a:xfrm>
-          <a:prstGeom prst="rect">
-            <a:avLst/>
-          </a:prstGeom>
-        </p:spPr>
-      </p:pic>
-      <p:sp>
-        <p:nvSpPr>
-          <p:cNvPr id="5" name="文本框 4"/>
-          <p:cNvSpPr txBox="1"/>
-          <p:nvPr/>
-        </p:nvSpPr>
-        <p:spPr>
-          <a:xfrm>
-            <a:off x="184727" y="5283201"/>
-            <a:ext cx="1672253" cy="369332"/>
-          </a:xfrm>
-          <a:prstGeom prst="rect">
-            <a:avLst/>
-          </a:prstGeom>
-          <a:noFill/>
-        </p:spPr>
-        <p:txBody>
-          <a:bodyPr wrap="none" rtlCol="0">
-            <a:spAutoFit/>
-          </a:bodyPr>
-          <a:lstStyle/>
-          <a:p>
-            <a:r>
-              <a:rPr lang="en-US" altLang="zh-CN" dirty="0" smtClean="0"/>
-              <a:t>Set breakpoint</a:t>
-            </a:r>
-            <a:endParaRPr lang="zh-CN" altLang="en-US" dirty="0"/>
-          </a:p>
-        </p:txBody>
-      </p:sp>
-      <p:sp>
-        <p:nvSpPr>
-          <p:cNvPr id="7" name="下箭头 6"/>
-          <p:cNvSpPr/>
-          <p:nvPr/>
-        </p:nvSpPr>
-        <p:spPr bwMode="auto">
-          <a:xfrm rot="5400000">
-            <a:off x="2241234" y="5000545"/>
-            <a:ext cx="209899" cy="978408"/>
-          </a:xfrm>
-          <a:prstGeom prst="downArrow">
-            <a:avLst/>
-          </a:prstGeom>
-          <a:blipFill dpi="0" rotWithShape="0">
-            <a:blip r:embed="rId3"/>
-            <a:srcRect/>
-            <a:tile tx="0" ty="0" sx="100000" sy="100000" flip="none" algn="tl"/>
-          </a:blipFill>
-          <a:ln w="9525" cap="flat" cmpd="sng" algn="ctr">
-            <a:solidFill>
-              <a:schemeClr val="tx1"/>
-            </a:solidFill>
-            <a:prstDash val="solid"/>
-            <a:round/>
-            <a:headEnd type="none" w="med" len="med"/>
-            <a:tailEnd type="none" w="med" len="med"/>
-          </a:ln>
-          <a:effectLst/>
-          <a:extLst>
-            <a:ext uri="{AF507438-7753-43E0-B8FC-AC1667EBCBE1}">
-              <a14:hiddenEffects xmlns:a14="http://schemas.microsoft.com/office/drawing/2010/main">
-                <a:effectLst>
-                  <a:outerShdw dist="35921" dir="2700000" algn="ctr" rotWithShape="0">
-                    <a:schemeClr val="bg2"/>
-                  </a:outerShdw>
-                </a:effectLst>
-              </a14:hiddenEffects>
-            </a:ext>
-          </a:extLst>
-        </p:spPr>
-        <p:txBody>
-          <a:bodyPr vert="horz" wrap="none" lIns="91440" tIns="45720" rIns="91440" bIns="45720" numCol="1" rtlCol="0" anchor="ctr" anchorCtr="0" compatLnSpc="1">
-            <a:prstTxWarp prst="textNoShape">
-              <a:avLst/>
-            </a:prstTxWarp>
-          </a:bodyPr>
-          <a:lstStyle/>
-          <a:p>
-            <a:pPr marL="0" marR="0" indent="0" algn="l" defTabSz="914400" rtl="0" eaLnBrk="1" fontAlgn="base" latinLnBrk="0" hangingPunct="1">
-              <a:lnSpc>
-                <a:spcPct val="100000"/>
-              </a:lnSpc>
-              <a:spcBef>
-                <a:spcPct val="0"/>
-              </a:spcBef>
-              <a:spcAft>
-                <a:spcPct val="0"/>
-              </a:spcAft>
-              <a:buClrTx/>
-              <a:buSzTx/>
-              <a:buFontTx/>
-              <a:buNone/>
-              <a:tabLst/>
-            </a:pPr>
-            <a:endParaRPr kumimoji="0" lang="zh-CN" altLang="en-US" sz="2400" b="0" i="0" u="none" strike="noStrike" cap="none" normalizeH="0" baseline="0" smtClean="0">
-              <a:ln>
-                <a:noFill/>
-              </a:ln>
-              <a:solidFill>
-                <a:schemeClr val="tx1"/>
-              </a:solidFill>
-              <a:effectLst/>
-              <a:latin typeface="Arial" panose="020B0604020202020204" pitchFamily="34" charset="0"/>
-            </a:endParaRPr>
-          </a:p>
-        </p:txBody>
-      </p:sp>
-    </p:spTree>
-    <p:extLst>
-      <p:ext uri="{BB962C8B-B14F-4D97-AF65-F5344CB8AC3E}">
-        <p14:creationId xmlns:p14="http://schemas.microsoft.com/office/powerpoint/2010/main" val="769970352"/>
       </p:ext>
     </p:extLst>
   </p:cSld>
